--- a/CSE 101 Discrete Mathematics/Lecture 15-16 Relation.pptx
+++ b/CSE 101 Discrete Mathematics/Lecture 15-16 Relation.pptx
@@ -73,7 +73,7 @@
   <p:notesSz cx="7315200" cy="9601200"/>
   <p:embeddedFontLst>
     <p:embeddedFont>
-      <p:font typeface="Helvetica Neue" panose="020B0604020202020204" charset="0"/>
+      <p:font typeface="Helvetica Neue"/>
       <p:regular r:id="rId63"/>
       <p:bold r:id="rId64"/>
       <p:italic r:id="rId65"/>
@@ -38990,7 +38990,7 @@
               <a:buNone/>
             </a:pPr>
             <a:r>
-              <a:rPr lang="en-US" sz="2400" b="0" i="0" u="none">
+              <a:rPr lang="en-US" sz="2400" b="0" i="0" u="none" dirty="0">
                 <a:solidFill>
                   <a:schemeClr val="dk1"/>
                 </a:solidFill>
@@ -39001,7 +39001,7 @@
               </a:rPr>
               <a:t>Let R={(1,1),(1,2),(2,1),(3,2)} on A ={1 2 3}.</a:t>
             </a:r>
-            <a:endParaRPr/>
+            <a:endParaRPr dirty="0"/>
           </a:p>
           <a:p>
             <a:pPr marL="0" marR="0" lvl="0" indent="0" algn="l" rtl="0">
@@ -39021,7 +39021,7 @@
               <a:buFont typeface="Arial"/>
               <a:buNone/>
             </a:pPr>
-            <a:endParaRPr sz="2400" b="0" i="0" u="none">
+            <a:endParaRPr sz="2400" b="0" i="0" u="none" dirty="0">
               <a:solidFill>
                 <a:schemeClr val="dk1"/>
               </a:solidFill>
@@ -39050,7 +39050,7 @@
               <a:buNone/>
             </a:pPr>
             <a:r>
-              <a:rPr lang="en-US" sz="2400" b="0" i="0" u="none">
+              <a:rPr lang="en-US" sz="2400" b="0" i="0" u="none" dirty="0">
                 <a:solidFill>
                   <a:schemeClr val="dk1"/>
                 </a:solidFill>
@@ -39062,7 +39062,7 @@
               <a:t>• </a:t>
             </a:r>
             <a:r>
-              <a:rPr lang="en-US" sz="2400" b="0" i="0" u="none">
+              <a:rPr lang="en-US" sz="2400" b="0" i="0" u="none" dirty="0">
                 <a:solidFill>
                   <a:srgbClr val="FF0000"/>
                 </a:solidFill>
@@ -39073,7 +39073,7 @@
               </a:rPr>
               <a:t>Is this relation reflexive?</a:t>
             </a:r>
-            <a:endParaRPr/>
+            <a:endParaRPr dirty="0"/>
           </a:p>
           <a:p>
             <a:pPr marL="0" marR="0" lvl="0" indent="0" algn="l" rtl="0">
@@ -39094,7 +39094,7 @@
               <a:buNone/>
             </a:pPr>
             <a:r>
-              <a:rPr lang="en-US" sz="2400" b="0" i="0" u="none">
+              <a:rPr lang="en-US" sz="2400" b="0" i="0" u="none" dirty="0">
                 <a:solidFill>
                   <a:schemeClr val="dk1"/>
                 </a:solidFill>
@@ -39106,7 +39106,7 @@
               <a:t>• Answer: </a:t>
             </a:r>
             <a:r>
-              <a:rPr lang="en-US" sz="2400" b="0" i="0" u="none">
+              <a:rPr lang="en-US" sz="2400" b="0" i="0" u="none" dirty="0">
                 <a:solidFill>
                   <a:srgbClr val="FF0000"/>
                 </a:solidFill>
@@ -39118,7 +39118,7 @@
               <a:t>No </a:t>
             </a:r>
             <a:r>
-              <a:rPr lang="en-US" sz="2400" b="0" i="0" u="none">
+              <a:rPr lang="en-US" sz="2400" b="0" i="0" u="none" dirty="0">
                 <a:solidFill>
                   <a:schemeClr val="dk1"/>
                 </a:solidFill>
@@ -39129,7 +39129,7 @@
               </a:rPr>
               <a:t>(2,2) and (3,3) is not in R.</a:t>
             </a:r>
-            <a:endParaRPr/>
+            <a:endParaRPr dirty="0"/>
           </a:p>
           <a:p>
             <a:pPr marL="0" marR="0" lvl="0" indent="0" algn="l" rtl="0">
@@ -39149,7 +39149,7 @@
               <a:buFont typeface="Arial"/>
               <a:buNone/>
             </a:pPr>
-            <a:endParaRPr sz="2400" b="0" i="0" u="none">
+            <a:endParaRPr sz="2400" b="0" i="0" u="none" dirty="0">
               <a:solidFill>
                 <a:srgbClr val="FF0000"/>
               </a:solidFill>
@@ -39178,7 +39178,7 @@
               <a:buNone/>
             </a:pPr>
             <a:r>
-              <a:rPr lang="en-US" sz="2400" b="0" i="0" u="none">
+              <a:rPr lang="en-US" sz="2400" b="0" i="0" u="none" dirty="0">
                 <a:solidFill>
                   <a:schemeClr val="dk1"/>
                 </a:solidFill>
@@ -39190,7 +39190,7 @@
               <a:t>The question is </a:t>
             </a:r>
             <a:r>
-              <a:rPr lang="en-US" sz="2400" b="0" i="0" u="none">
+              <a:rPr lang="en-US" sz="2400" b="0" i="0" u="none" dirty="0">
                 <a:solidFill>
                   <a:srgbClr val="FF0000"/>
                 </a:solidFill>
@@ -39202,7 +39202,7 @@
               <a:t>what is the minimal relation</a:t>
             </a:r>
             <a:r>
-              <a:rPr lang="en-US" sz="2400" b="0" i="0" u="none">
+              <a:rPr lang="en-US" sz="2400" b="0" i="0" u="none" dirty="0">
                 <a:solidFill>
                   <a:schemeClr val="dk1"/>
                 </a:solidFill>
@@ -39213,7 +39213,7 @@
               </a:rPr>
               <a:t>               that is</a:t>
             </a:r>
-            <a:endParaRPr/>
+            <a:endParaRPr dirty="0"/>
           </a:p>
           <a:p>
             <a:pPr marL="0" marR="0" lvl="0" indent="0" algn="l" rtl="0">
@@ -39234,7 +39234,7 @@
               <a:buNone/>
             </a:pPr>
             <a:r>
-              <a:rPr lang="en-US" sz="2400" b="0" i="0" u="none">
+              <a:rPr lang="en-US" sz="2400" b="0" i="0" u="none" dirty="0">
                 <a:solidFill>
                   <a:schemeClr val="dk1"/>
                 </a:solidFill>
@@ -39245,7 +39245,7 @@
               </a:rPr>
               <a:t>reflexive?</a:t>
             </a:r>
-            <a:endParaRPr/>
+            <a:endParaRPr dirty="0"/>
           </a:p>
           <a:p>
             <a:pPr marL="0" marR="0" lvl="0" indent="0" algn="l" rtl="0">
@@ -39266,7 +39266,7 @@
               <a:buNone/>
             </a:pPr>
             <a:r>
-              <a:rPr lang="en-US" sz="2400" b="0" i="0" u="none">
+              <a:rPr lang="en-US" sz="2400" b="0" i="0" u="none" dirty="0">
                 <a:solidFill>
                   <a:schemeClr val="dk1"/>
                 </a:solidFill>
@@ -39278,7 +39278,7 @@
               <a:t>• </a:t>
             </a:r>
             <a:r>
-              <a:rPr lang="en-US" sz="2400" b="0" i="0" u="none">
+              <a:rPr lang="en-US" sz="2400" b="0" i="0" u="none" dirty="0">
                 <a:solidFill>
                   <a:srgbClr val="FF0000"/>
                 </a:solidFill>
@@ -39290,7 +39290,7 @@
               <a:t>How to make R reflexive</a:t>
             </a:r>
             <a:r>
-              <a:rPr lang="en-US" sz="2400" b="0" i="0" u="none">
+              <a:rPr lang="en-US" sz="2400" b="0" i="0" u="none" dirty="0">
                 <a:solidFill>
                   <a:schemeClr val="dk1"/>
                 </a:solidFill>
@@ -39301,7 +39301,7 @@
               </a:rPr>
               <a:t> with minimum number of additions?</a:t>
             </a:r>
-            <a:endParaRPr/>
+            <a:endParaRPr dirty="0"/>
           </a:p>
           <a:p>
             <a:pPr marL="0" marR="0" lvl="0" indent="0" algn="l" rtl="0">
@@ -39321,7 +39321,7 @@
               <a:buFont typeface="Arial"/>
               <a:buNone/>
             </a:pPr>
-            <a:endParaRPr sz="2400" b="0" i="0" u="none">
+            <a:endParaRPr sz="2400" b="0" i="0" u="none" dirty="0">
               <a:solidFill>
                 <a:schemeClr val="dk1"/>
               </a:solidFill>
@@ -39350,7 +39350,7 @@
               <a:buNone/>
             </a:pPr>
             <a:r>
-              <a:rPr lang="en-US" sz="2400" b="0" i="0" u="none">
+              <a:rPr lang="en-US" sz="2400" b="0" i="0" u="none" dirty="0">
                 <a:solidFill>
                   <a:schemeClr val="dk1"/>
                 </a:solidFill>
@@ -39362,7 +39362,7 @@
               <a:t>• </a:t>
             </a:r>
             <a:r>
-              <a:rPr lang="en-US" sz="2400" b="0" i="0" u="none">
+              <a:rPr lang="en-US" sz="2400" b="0" i="0" u="none" dirty="0">
                 <a:solidFill>
                   <a:srgbClr val="FF0000"/>
                 </a:solidFill>
@@ -39374,7 +39374,7 @@
               <a:t>Answer: ?</a:t>
             </a:r>
             <a:r>
-              <a:rPr lang="en-US" sz="2400" b="0" i="0" u="none">
+              <a:rPr lang="en-US" sz="2400" b="0" i="0" u="none" dirty="0">
                 <a:solidFill>
                   <a:schemeClr val="dk1"/>
                 </a:solidFill>
@@ -39386,7 +39386,7 @@
               <a:t> </a:t>
             </a:r>
             <a:r>
-              <a:rPr lang="en-US" sz="2400" b="0" i="0" u="none">
+              <a:rPr lang="en-US" sz="2400" b="0" i="0" u="none" dirty="0">
                 <a:solidFill>
                   <a:srgbClr val="FF0000"/>
                 </a:solidFill>
@@ -39397,7 +39397,7 @@
               </a:rPr>
               <a:t>Add (2,2) and (3,3)</a:t>
             </a:r>
-            <a:endParaRPr/>
+            <a:endParaRPr dirty="0"/>
           </a:p>
           <a:p>
             <a:pPr marL="0" marR="0" lvl="0" indent="0" algn="l" rtl="0">
@@ -39418,7 +39418,7 @@
               <a:buNone/>
             </a:pPr>
             <a:r>
-              <a:rPr lang="en-US" sz="2400" b="0" i="0" u="none">
+              <a:rPr lang="en-US" sz="2400" b="0" i="0" u="none" dirty="0">
                 <a:solidFill>
                   <a:schemeClr val="dk1"/>
                 </a:solidFill>
@@ -39430,7 +39430,7 @@
               <a:t>• Then </a:t>
             </a:r>
             <a:r>
-              <a:rPr lang="en-US" sz="2400" b="0" i="0" u="none">
+              <a:rPr lang="en-US" sz="2400" b="0" i="0" u="none" dirty="0">
                 <a:solidFill>
                   <a:srgbClr val="FF0000"/>
                 </a:solidFill>
@@ -39442,7 +39442,7 @@
               <a:t>S</a:t>
             </a:r>
             <a:r>
-              <a:rPr lang="en-US" sz="2400" b="0" i="0" u="none">
+              <a:rPr lang="en-US" sz="2400" b="0" i="0" u="none" dirty="0">
                 <a:solidFill>
                   <a:schemeClr val="dk1"/>
                 </a:solidFill>
@@ -39453,7 +39453,7 @@
               </a:rPr>
               <a:t>= {(1,1),(1,2),(2,1),(3,2),(2,2),(3,3)}</a:t>
             </a:r>
-            <a:endParaRPr/>
+            <a:endParaRPr dirty="0"/>
           </a:p>
           <a:p>
             <a:pPr marL="0" marR="0" lvl="0" indent="0" algn="l" rtl="0">
@@ -39474,7 +39474,7 @@
               <a:buNone/>
             </a:pPr>
             <a:r>
-              <a:rPr lang="en-US" sz="2400" b="0" i="0" u="none">
+              <a:rPr lang="en-US" sz="2400" b="0" i="0" u="none" dirty="0">
                 <a:solidFill>
                   <a:schemeClr val="dk1"/>
                 </a:solidFill>
@@ -39485,7 +39485,7 @@
               </a:rPr>
               <a:t>• </a:t>
             </a:r>
-            <a:endParaRPr/>
+            <a:endParaRPr dirty="0"/>
           </a:p>
           <a:p>
             <a:pPr marL="0" marR="0" lvl="0" indent="0" algn="l" rtl="0">
@@ -39506,7 +39506,7 @@
               <a:buNone/>
             </a:pPr>
             <a:r>
-              <a:rPr lang="en-US" sz="2400" b="0" i="0" u="none">
+              <a:rPr lang="en-US" sz="2400" b="0" i="0" u="none" dirty="0">
                 <a:solidFill>
                   <a:schemeClr val="dk1"/>
                 </a:solidFill>
@@ -39518,7 +39518,7 @@
               <a:t>• The minimal set            is called </a:t>
             </a:r>
             <a:r>
-              <a:rPr lang="en-US" sz="2400" b="1" i="0" u="none">
+              <a:rPr lang="en-US" sz="2400" b="1" i="0" u="none" dirty="0">
                 <a:solidFill>
                   <a:schemeClr val="dk1"/>
                 </a:solidFill>
@@ -39530,7 +39530,7 @@
               <a:t>the </a:t>
             </a:r>
             <a:r>
-              <a:rPr lang="en-US" sz="2400" b="1" i="0" u="none">
+              <a:rPr lang="en-US" sz="2400" b="1" i="0" u="none" dirty="0">
                 <a:solidFill>
                   <a:srgbClr val="FF0000"/>
                 </a:solidFill>
@@ -39542,7 +39542,7 @@
               <a:t>reflexive closure </a:t>
             </a:r>
             <a:r>
-              <a:rPr lang="en-US" sz="2400" b="1" i="0" u="none">
+              <a:rPr lang="en-US" sz="2400" b="1" i="0" u="none" dirty="0">
                 <a:solidFill>
                   <a:schemeClr val="dk1"/>
                 </a:solidFill>
@@ -39553,7 +39553,7 @@
               </a:rPr>
               <a:t>of R</a:t>
             </a:r>
-            <a:endParaRPr/>
+            <a:endParaRPr dirty="0"/>
           </a:p>
         </p:txBody>
       </p:sp>
@@ -40444,7 +40444,7 @@
               <a:buNone/>
             </a:pPr>
             <a:r>
-              <a:rPr lang="en-US" sz="2400" b="0" i="0" u="none">
+              <a:rPr lang="en-US" sz="2400" b="0" i="0" u="none" dirty="0">
                 <a:solidFill>
                   <a:srgbClr val="FF0000"/>
                 </a:solidFill>
@@ -40456,7 +40456,7 @@
               <a:t>Definition: </a:t>
             </a:r>
             <a:r>
-              <a:rPr lang="en-US" sz="2400" b="0" i="0" u="none">
+              <a:rPr lang="en-US" sz="2400" b="0" i="0" u="none" dirty="0">
                 <a:solidFill>
                   <a:schemeClr val="dk1"/>
                 </a:solidFill>
@@ -40468,7 +40468,7 @@
               <a:t>Let R be a relation on a set A.  A relation S on A with property P is called the </a:t>
             </a:r>
             <a:r>
-              <a:rPr lang="en-US" sz="2400" b="0" i="0" u="none">
+              <a:rPr lang="en-US" sz="2400" b="0" i="0" u="none" dirty="0">
                 <a:solidFill>
                   <a:srgbClr val="FF0000"/>
                 </a:solidFill>
@@ -40480,7 +40480,7 @@
               <a:t>closure of R with respect to P </a:t>
             </a:r>
             <a:r>
-              <a:rPr lang="en-US" sz="2400" b="0" i="0" u="none">
+              <a:rPr lang="en-US" sz="2400" b="0" i="0" u="none" dirty="0">
                 <a:solidFill>
                   <a:schemeClr val="dk1"/>
                 </a:solidFill>
@@ -40491,7 +40491,7 @@
               </a:rPr>
               <a:t>if S is a subset of every relation Q (           ) with property P that contains R (            ).</a:t>
             </a:r>
-            <a:endParaRPr/>
+            <a:endParaRPr dirty="0"/>
           </a:p>
           <a:p>
             <a:pPr marL="0" marR="0" lvl="0" indent="0" algn="l" rtl="0">
@@ -40511,7 +40511,7 @@
               <a:buFont typeface="Arial"/>
               <a:buNone/>
             </a:pPr>
-            <a:endParaRPr sz="2400" b="0" i="0" u="none">
+            <a:endParaRPr sz="2400" b="0" i="0" u="none" dirty="0">
               <a:solidFill>
                 <a:srgbClr val="FF0000"/>
               </a:solidFill>
@@ -40540,7 +40540,7 @@
               <a:buNone/>
             </a:pPr>
             <a:r>
-              <a:rPr lang="en-US" sz="2400" b="1" i="0" u="none">
+              <a:rPr lang="en-US" sz="2400" b="1" i="0" u="none" dirty="0">
                 <a:solidFill>
                   <a:schemeClr val="dk1"/>
                 </a:solidFill>
@@ -40551,7 +40551,7 @@
               </a:rPr>
               <a:t>Example (symmetric closure):</a:t>
             </a:r>
-            <a:endParaRPr/>
+            <a:endParaRPr dirty="0"/>
           </a:p>
           <a:p>
             <a:pPr marL="0" marR="0" lvl="0" indent="0" algn="l" rtl="0">
@@ -40572,7 +40572,7 @@
               <a:buNone/>
             </a:pPr>
             <a:r>
-              <a:rPr lang="en-US" sz="2400" b="0" i="0" u="none">
+              <a:rPr lang="en-US" sz="2400" b="0" i="0" u="none" dirty="0">
                 <a:solidFill>
                   <a:schemeClr val="dk1"/>
                 </a:solidFill>
@@ -40583,7 +40583,7 @@
               </a:rPr>
               <a:t>• Assume R={(1,2),(1,3), (2,2)} on A={1,2,3}.</a:t>
             </a:r>
-            <a:endParaRPr/>
+            <a:endParaRPr dirty="0"/>
           </a:p>
           <a:p>
             <a:pPr marL="0" marR="0" lvl="0" indent="0" algn="l" rtl="0">
@@ -40603,7 +40603,7 @@
               <a:buFont typeface="Arial"/>
               <a:buNone/>
             </a:pPr>
-            <a:endParaRPr sz="2400" b="0" i="0" u="none">
+            <a:endParaRPr sz="2400" b="0" i="0" u="none" dirty="0">
               <a:solidFill>
                 <a:schemeClr val="dk1"/>
               </a:solidFill>
@@ -40632,7 +40632,7 @@
               <a:buNone/>
             </a:pPr>
             <a:r>
-              <a:rPr lang="en-US" sz="2400" b="0" i="0" u="none">
+              <a:rPr lang="en-US" sz="2400" b="0" i="0" u="none" dirty="0">
                 <a:solidFill>
                   <a:schemeClr val="dk1"/>
                 </a:solidFill>
@@ -40644,7 +40644,7 @@
               <a:t>• What is the </a:t>
             </a:r>
             <a:r>
-              <a:rPr lang="en-US" sz="2400" b="0" i="0" u="none">
+              <a:rPr lang="en-US" sz="2400" b="0" i="0" u="none" dirty="0">
                 <a:solidFill>
                   <a:srgbClr val="FF0000"/>
                 </a:solidFill>
@@ -40656,7 +40656,7 @@
               <a:t>symmetric closure </a:t>
             </a:r>
             <a:r>
-              <a:rPr lang="en-US" sz="2400" b="0" i="0" u="none">
+              <a:rPr lang="en-US" sz="2400" b="0" i="0" u="none" dirty="0">
                 <a:solidFill>
                   <a:schemeClr val="dk1"/>
                 </a:solidFill>
@@ -40667,7 +40667,7 @@
               </a:rPr>
               <a:t>S of R?</a:t>
             </a:r>
-            <a:endParaRPr/>
+            <a:endParaRPr dirty="0"/>
           </a:p>
           <a:p>
             <a:pPr marL="0" marR="0" lvl="0" indent="0" algn="l" rtl="0">
@@ -40687,7 +40687,7 @@
               <a:buFont typeface="Arial"/>
               <a:buNone/>
             </a:pPr>
-            <a:endParaRPr sz="2400" b="0" i="0" u="none">
+            <a:endParaRPr sz="2400" b="0" i="0" u="none" dirty="0">
               <a:solidFill>
                 <a:schemeClr val="dk1"/>
               </a:solidFill>
@@ -40716,7 +40716,7 @@
               <a:buNone/>
             </a:pPr>
             <a:r>
-              <a:rPr lang="en-US" sz="2400" b="0" i="0" u="none">
+              <a:rPr lang="en-US" sz="2400" b="0" i="0" u="none" dirty="0">
                 <a:solidFill>
                   <a:schemeClr val="dk1"/>
                 </a:solidFill>
@@ -40728,7 +40728,7 @@
               <a:t>• </a:t>
             </a:r>
             <a:r>
-              <a:rPr lang="en-US" sz="2400" b="0" i="0" u="none">
+              <a:rPr lang="en-US" sz="2400" b="0" i="0" u="none" dirty="0">
                 <a:solidFill>
                   <a:srgbClr val="FF0000"/>
                 </a:solidFill>
@@ -40739,7 +40739,7 @@
               </a:rPr>
               <a:t>S=?</a:t>
             </a:r>
-            <a:endParaRPr/>
+            <a:endParaRPr dirty="0"/>
           </a:p>
         </p:txBody>
       </p:sp>
@@ -40758,7 +40758,7 @@
         </p:blipFill>
         <p:spPr>
           <a:xfrm>
-            <a:off x="4191000" y="2286000"/>
+            <a:off x="4754563" y="2284166"/>
             <a:ext cx="922337" cy="433387"/>
           </a:xfrm>
           <a:prstGeom prst="rect">
@@ -41876,7 +41876,7 @@
               <a:buNone/>
             </a:pPr>
             <a:r>
-              <a:rPr lang="en-US" sz="2400" b="0" i="0" u="none">
+              <a:rPr lang="en-US" sz="2400" b="0" i="0" u="none" dirty="0">
                 <a:solidFill>
                   <a:srgbClr val="FF0000"/>
                 </a:solidFill>
@@ -41888,7 +41888,7 @@
               <a:t>Definition: </a:t>
             </a:r>
             <a:r>
-              <a:rPr lang="en-US" sz="2400" b="0" i="0" u="none">
+              <a:rPr lang="en-US" sz="2400" b="0" i="0" u="none" dirty="0">
                 <a:solidFill>
                   <a:schemeClr val="dk1"/>
                 </a:solidFill>
@@ -41900,7 +41900,7 @@
               <a:t>Let R be a relation on a set A.  A relation S on A with property P is called the </a:t>
             </a:r>
             <a:r>
-              <a:rPr lang="en-US" sz="2400" b="0" i="0" u="none">
+              <a:rPr lang="en-US" sz="2400" b="0" i="0" u="none" dirty="0">
                 <a:solidFill>
                   <a:srgbClr val="FF0000"/>
                 </a:solidFill>
@@ -41912,7 +41912,7 @@
               <a:t>closure of R with respect to P </a:t>
             </a:r>
             <a:r>
-              <a:rPr lang="en-US" sz="2400" b="0" i="0" u="none">
+              <a:rPr lang="en-US" sz="2400" b="0" i="0" u="none" dirty="0">
                 <a:solidFill>
                   <a:schemeClr val="dk1"/>
                 </a:solidFill>
@@ -41923,7 +41923,7 @@
               </a:rPr>
               <a:t>if S is a subset of every relation Q (           ) with property P that contains R (            ).</a:t>
             </a:r>
-            <a:endParaRPr/>
+            <a:endParaRPr dirty="0"/>
           </a:p>
           <a:p>
             <a:pPr marL="0" marR="0" lvl="0" indent="0" algn="l" rtl="0">
@@ -41943,7 +41943,7 @@
               <a:buFont typeface="Arial"/>
               <a:buNone/>
             </a:pPr>
-            <a:endParaRPr sz="2400" b="0" i="0" u="none">
+            <a:endParaRPr sz="2400" b="0" i="0" u="none" dirty="0">
               <a:solidFill>
                 <a:srgbClr val="FF0000"/>
               </a:solidFill>
@@ -41972,7 +41972,7 @@
               <a:buNone/>
             </a:pPr>
             <a:r>
-              <a:rPr lang="en-US" sz="2400" b="1" i="0" u="none">
+              <a:rPr lang="en-US" sz="2400" b="1" i="0" u="none" dirty="0">
                 <a:solidFill>
                   <a:schemeClr val="dk1"/>
                 </a:solidFill>
@@ -41983,7 +41983,7 @@
               </a:rPr>
               <a:t>Example (transitive closure):</a:t>
             </a:r>
-            <a:endParaRPr/>
+            <a:endParaRPr dirty="0"/>
           </a:p>
           <a:p>
             <a:pPr marL="0" marR="0" lvl="0" indent="0" algn="l" rtl="0">
@@ -42004,7 +42004,7 @@
               <a:buNone/>
             </a:pPr>
             <a:r>
-              <a:rPr lang="en-US" sz="2400" b="0" i="0" u="none">
+              <a:rPr lang="en-US" sz="2400" b="0" i="0" u="none" dirty="0">
                 <a:solidFill>
                   <a:schemeClr val="dk1"/>
                 </a:solidFill>
@@ -42015,7 +42015,7 @@
               </a:rPr>
               <a:t>• Assume R={(1,2), (2,2), (2,3)} on A={1,2,3}.</a:t>
             </a:r>
-            <a:endParaRPr/>
+            <a:endParaRPr dirty="0"/>
           </a:p>
           <a:p>
             <a:pPr marL="0" marR="0" lvl="0" indent="0" algn="l" rtl="0">
@@ -42035,7 +42035,7 @@
               <a:buFont typeface="Arial"/>
               <a:buNone/>
             </a:pPr>
-            <a:endParaRPr sz="2400" b="0" i="0" u="none">
+            <a:endParaRPr sz="2400" b="0" i="0" u="none" dirty="0">
               <a:solidFill>
                 <a:schemeClr val="dk1"/>
               </a:solidFill>
@@ -42064,7 +42064,7 @@
               <a:buNone/>
             </a:pPr>
             <a:r>
-              <a:rPr lang="en-US" sz="2400" b="0" i="0" u="none">
+              <a:rPr lang="en-US" sz="2400" b="0" i="0" u="none" dirty="0">
                 <a:solidFill>
                   <a:schemeClr val="dk1"/>
                 </a:solidFill>
@@ -42076,7 +42076,7 @@
               <a:t>• </a:t>
             </a:r>
             <a:r>
-              <a:rPr lang="en-US" sz="2400" b="0" i="0" u="none">
+              <a:rPr lang="en-US" sz="2400" b="0" i="0" u="none" dirty="0">
                 <a:solidFill>
                   <a:srgbClr val="FF0000"/>
                 </a:solidFill>
@@ -42088,7 +42088,7 @@
               <a:t>Is R transitive? </a:t>
             </a:r>
             <a:r>
-              <a:rPr lang="en-US" sz="2400" b="0" i="0" u="none">
+              <a:rPr lang="en-US" sz="2400" b="0" i="0" u="none" dirty="0">
                 <a:solidFill>
                   <a:schemeClr val="dk1"/>
                 </a:solidFill>
@@ -42099,7 +42099,7 @@
               </a:rPr>
               <a:t>No.</a:t>
             </a:r>
-            <a:endParaRPr/>
+            <a:endParaRPr dirty="0"/>
           </a:p>
           <a:p>
             <a:pPr marL="0" marR="0" lvl="0" indent="0" algn="l" rtl="0">
@@ -42120,7 +42120,7 @@
               <a:buNone/>
             </a:pPr>
             <a:r>
-              <a:rPr lang="en-US" sz="2400" b="0" i="0" u="none">
+              <a:rPr lang="en-US" sz="2400" b="0" i="0" u="none" dirty="0">
                 <a:solidFill>
                   <a:schemeClr val="dk1"/>
                 </a:solidFill>
@@ -42131,7 +42131,7 @@
               </a:rPr>
               <a:t>• How to make it transitive?</a:t>
             </a:r>
-            <a:endParaRPr/>
+            <a:endParaRPr dirty="0"/>
           </a:p>
           <a:p>
             <a:pPr marL="0" marR="0" lvl="0" indent="0" algn="l" rtl="0">
@@ -42152,7 +42152,7 @@
               <a:buNone/>
             </a:pPr>
             <a:r>
-              <a:rPr lang="en-US" sz="2400" b="0" i="0" u="none">
+              <a:rPr lang="en-US" sz="2400" b="0" i="0" u="none" dirty="0">
                 <a:solidFill>
                   <a:schemeClr val="dk1"/>
                 </a:solidFill>
@@ -42164,7 +42164,7 @@
               <a:t>• S = {(1,2), (2,2), (2,3)} </a:t>
             </a:r>
             <a:r>
-              <a:rPr lang="en-US" sz="2400" b="0" i="0" u="none">
+              <a:rPr lang="en-US" sz="2400" b="0" i="0" u="none" dirty="0">
                 <a:solidFill>
                   <a:srgbClr val="FF0000"/>
                 </a:solidFill>
@@ -42176,7 +42176,7 @@
               <a:t>U </a:t>
             </a:r>
             <a:r>
-              <a:rPr lang="en-US" sz="2400" b="0" i="0" u="none">
+              <a:rPr lang="en-US" sz="2400" b="0" i="0" u="none" dirty="0">
                 <a:solidFill>
                   <a:schemeClr val="dk1"/>
                 </a:solidFill>
@@ -42187,7 +42187,7 @@
               </a:rPr>
               <a:t>{(1,3)}</a:t>
             </a:r>
-            <a:endParaRPr/>
+            <a:endParaRPr dirty="0"/>
           </a:p>
           <a:p>
             <a:pPr marL="0" marR="0" lvl="0" indent="0" algn="l" rtl="0">
@@ -42208,7 +42208,7 @@
               <a:buNone/>
             </a:pPr>
             <a:r>
-              <a:rPr lang="en-US" sz="2400" b="0" i="0" u="none">
+              <a:rPr lang="en-US" sz="2400" b="0" i="0" u="none" dirty="0">
                 <a:solidFill>
                   <a:schemeClr val="dk1"/>
                 </a:solidFill>
@@ -42219,7 +42219,7 @@
               </a:rPr>
               <a:t>      = {(1,2), (2,2), (2,3),(1,3)}</a:t>
             </a:r>
-            <a:endParaRPr/>
+            <a:endParaRPr dirty="0"/>
           </a:p>
           <a:p>
             <a:pPr marL="0" marR="0" lvl="0" indent="0" algn="l" rtl="0">
@@ -42240,7 +42240,7 @@
               <a:buNone/>
             </a:pPr>
             <a:r>
-              <a:rPr lang="en-US" sz="2400" b="0" i="0" u="none">
+              <a:rPr lang="en-US" sz="2400" b="0" i="0" u="none" dirty="0">
                 <a:solidFill>
                   <a:schemeClr val="dk1"/>
                 </a:solidFill>
@@ -42251,7 +42251,7 @@
               </a:rPr>
               <a:t>• S is the transitive closure of R</a:t>
             </a:r>
-            <a:endParaRPr/>
+            <a:endParaRPr dirty="0"/>
           </a:p>
         </p:txBody>
       </p:sp>
@@ -42270,7 +42270,7 @@
         </p:blipFill>
         <p:spPr>
           <a:xfrm>
-            <a:off x="4191000" y="2286000"/>
+            <a:off x="4754563" y="2278583"/>
             <a:ext cx="922337" cy="433387"/>
           </a:xfrm>
           <a:prstGeom prst="rect">
@@ -45064,7 +45064,7 @@
               <a:buNone/>
             </a:pPr>
             <a:r>
-              <a:rPr lang="en-US" sz="2000" b="0" i="0" u="none">
+              <a:rPr lang="en-US" sz="2000" b="0" i="0" u="none" dirty="0">
                 <a:solidFill>
                   <a:schemeClr val="dk1"/>
                 </a:solidFill>
@@ -45076,7 +45076,7 @@
               <a:t>Theorem: Let R be a relation on a set A. There is a </a:t>
             </a:r>
             <a:r>
-              <a:rPr lang="en-US" sz="2000" b="0" i="0" u="none">
+              <a:rPr lang="en-US" sz="2000" b="0" i="0" u="none" dirty="0">
                 <a:solidFill>
                   <a:srgbClr val="FF0000"/>
                 </a:solidFill>
@@ -45088,7 +45088,7 @@
               <a:t>path of length n</a:t>
             </a:r>
             <a:r>
-              <a:rPr lang="en-US" sz="2000" b="0" i="0" u="none">
+              <a:rPr lang="en-US" sz="2000" b="0" i="0" u="none" dirty="0">
                 <a:solidFill>
                   <a:schemeClr val="dk1"/>
                 </a:solidFill>
@@ -45100,7 +45100,7 @@
               <a:t> from </a:t>
             </a:r>
             <a:r>
-              <a:rPr lang="en-US" sz="2000" b="0" i="0" u="none">
+              <a:rPr lang="en-US" sz="2000" b="0" i="0" u="none" dirty="0">
                 <a:solidFill>
                   <a:srgbClr val="FF0000"/>
                 </a:solidFill>
@@ -45112,7 +45112,7 @@
               <a:t>a to b </a:t>
             </a:r>
             <a:r>
-              <a:rPr lang="en-US" sz="2000" b="0" i="0" u="none">
+              <a:rPr lang="en-US" sz="2000" b="0" i="0" u="none" dirty="0">
                 <a:solidFill>
                   <a:schemeClr val="dk1"/>
                 </a:solidFill>
@@ -45124,7 +45124,7 @@
               <a:t>if and only if </a:t>
             </a:r>
             <a:r>
-              <a:rPr lang="en-US" sz="2000" b="0" i="0" u="none">
+              <a:rPr lang="en-US" sz="2000" b="0" i="0" u="none" dirty="0">
                 <a:solidFill>
                   <a:srgbClr val="FF0000"/>
                 </a:solidFill>
@@ -45133,10 +45133,10 @@
                 <a:cs typeface="Arial"/>
                 <a:sym typeface="Arial"/>
               </a:rPr>
-              <a:t>(a,b) ϵ R</a:t>
-            </a:r>
-            <a:r>
-              <a:rPr lang="en-US" sz="2000" b="0" i="0" u="none" baseline="30000">
+              <a:t>(</a:t>
+            </a:r>
+            <a:r>
+              <a:rPr lang="en-US" sz="2000" b="0" i="0" u="none" dirty="0" err="1">
                 <a:solidFill>
                   <a:srgbClr val="FF0000"/>
                 </a:solidFill>
@@ -45145,10 +45145,34 @@
                 <a:cs typeface="Arial"/>
                 <a:sym typeface="Arial"/>
               </a:rPr>
+              <a:t>a,b</a:t>
+            </a:r>
+            <a:r>
+              <a:rPr lang="en-US" sz="2000" b="0" i="0" u="none" dirty="0">
+                <a:solidFill>
+                  <a:srgbClr val="FF0000"/>
+                </a:solidFill>
+                <a:latin typeface="Arial"/>
+                <a:ea typeface="Arial"/>
+                <a:cs typeface="Arial"/>
+                <a:sym typeface="Arial"/>
+              </a:rPr>
+              <a:t>) ϵ R</a:t>
+            </a:r>
+            <a:r>
+              <a:rPr lang="en-US" sz="2000" b="0" i="0" u="none" baseline="30000" dirty="0">
+                <a:solidFill>
+                  <a:srgbClr val="FF0000"/>
+                </a:solidFill>
+                <a:latin typeface="Arial"/>
+                <a:ea typeface="Arial"/>
+                <a:cs typeface="Arial"/>
+                <a:sym typeface="Arial"/>
+              </a:rPr>
               <a:t>n</a:t>
             </a:r>
             <a:r>
-              <a:rPr lang="en-US" sz="2000" b="0" i="0" u="none">
+              <a:rPr lang="en-US" sz="2000" b="0" i="0" u="none" dirty="0">
                 <a:solidFill>
                   <a:schemeClr val="dk1"/>
                 </a:solidFill>
@@ -45159,7 +45183,7 @@
               </a:rPr>
               <a:t>.</a:t>
             </a:r>
-            <a:endParaRPr/>
+            <a:endParaRPr dirty="0"/>
           </a:p>
           <a:p>
             <a:pPr marL="0" marR="0" lvl="0" indent="0" algn="l" rtl="0">
@@ -45179,7 +45203,7 @@
               <a:buFont typeface="Arial"/>
               <a:buNone/>
             </a:pPr>
-            <a:endParaRPr sz="2000" b="0" i="0" u="none">
+            <a:endParaRPr sz="2000" b="0" i="0" u="none" dirty="0">
               <a:solidFill>
                 <a:schemeClr val="dk1"/>
               </a:solidFill>
@@ -45208,7 +45232,7 @@
               <a:buNone/>
             </a:pPr>
             <a:r>
-              <a:rPr lang="en-US" sz="2000" b="0" i="0" u="none">
+              <a:rPr lang="en-US" sz="2000" b="0" i="0" u="none" dirty="0">
                 <a:solidFill>
                   <a:schemeClr val="dk1"/>
                 </a:solidFill>
@@ -45219,7 +45243,7 @@
               </a:rPr>
               <a:t>Proof (math induction):</a:t>
             </a:r>
-            <a:endParaRPr/>
+            <a:endParaRPr dirty="0"/>
           </a:p>
           <a:p>
             <a:pPr marL="0" marR="0" lvl="0" indent="0" algn="l" rtl="0">
@@ -45240,7 +45264,7 @@
               <a:buNone/>
             </a:pPr>
             <a:r>
-              <a:rPr lang="en-US" sz="2000" b="0" i="0" u="none">
+              <a:rPr lang="en-US" sz="2000" b="0" i="0" u="none" dirty="0">
                 <a:solidFill>
                   <a:schemeClr val="dk1"/>
                 </a:solidFill>
@@ -45252,7 +45276,7 @@
               <a:t>• </a:t>
             </a:r>
             <a:r>
-              <a:rPr lang="en-US" sz="2000" b="0" i="0" u="none">
+              <a:rPr lang="en-US" sz="2000" b="0" i="0" u="none" dirty="0">
                 <a:solidFill>
                   <a:srgbClr val="FF0000"/>
                 </a:solidFill>
@@ -45264,19 +45288,43 @@
               <a:t>P(1): </a:t>
             </a:r>
             <a:r>
-              <a:rPr lang="en-US" sz="2000" b="0" i="0" u="none">
-                <a:solidFill>
-                  <a:schemeClr val="dk1"/>
-                </a:solidFill>
-                <a:latin typeface="Arial"/>
-                <a:ea typeface="Arial"/>
-                <a:cs typeface="Arial"/>
-                <a:sym typeface="Arial"/>
-              </a:rPr>
-              <a:t>There is a path of length 1 from a to b if and only if (a,b) ϵ R</a:t>
-            </a:r>
-            <a:r>
-              <a:rPr lang="en-US" sz="2000" b="0" i="0" u="none" baseline="30000">
+              <a:rPr lang="en-US" sz="2000" b="0" i="0" u="none" dirty="0">
+                <a:solidFill>
+                  <a:schemeClr val="dk1"/>
+                </a:solidFill>
+                <a:latin typeface="Arial"/>
+                <a:ea typeface="Arial"/>
+                <a:cs typeface="Arial"/>
+                <a:sym typeface="Arial"/>
+              </a:rPr>
+              <a:t>There is a path of length 1 from a to b if and only if (</a:t>
+            </a:r>
+            <a:r>
+              <a:rPr lang="en-US" sz="2000" b="0" i="0" u="none" dirty="0" err="1">
+                <a:solidFill>
+                  <a:schemeClr val="dk1"/>
+                </a:solidFill>
+                <a:latin typeface="Arial"/>
+                <a:ea typeface="Arial"/>
+                <a:cs typeface="Arial"/>
+                <a:sym typeface="Arial"/>
+              </a:rPr>
+              <a:t>a,b</a:t>
+            </a:r>
+            <a:r>
+              <a:rPr lang="en-US" sz="2000" b="0" i="0" u="none" dirty="0">
+                <a:solidFill>
+                  <a:schemeClr val="dk1"/>
+                </a:solidFill>
+                <a:latin typeface="Arial"/>
+                <a:ea typeface="Arial"/>
+                <a:cs typeface="Arial"/>
+                <a:sym typeface="Arial"/>
+              </a:rPr>
+              <a:t>) ϵ R</a:t>
+            </a:r>
+            <a:r>
+              <a:rPr lang="en-US" sz="2000" b="0" i="0" u="none" baseline="30000" dirty="0">
                 <a:solidFill>
                   <a:schemeClr val="dk1"/>
                 </a:solidFill>
@@ -45288,7 +45336,7 @@
               <a:t>1</a:t>
             </a:r>
             <a:r>
-              <a:rPr lang="en-US" sz="2000" b="0" i="0" u="none">
+              <a:rPr lang="en-US" sz="2000" b="0" i="0" u="none" dirty="0">
                 <a:solidFill>
                   <a:schemeClr val="dk1"/>
                 </a:solidFill>
@@ -45299,7 +45347,7 @@
               </a:rPr>
               <a:t>, by the definition of R.</a:t>
             </a:r>
-            <a:endParaRPr/>
+            <a:endParaRPr dirty="0"/>
           </a:p>
           <a:p>
             <a:pPr marL="0" marR="0" lvl="0" indent="0" algn="l" rtl="0">
@@ -45320,7 +45368,7 @@
               <a:buNone/>
             </a:pPr>
             <a:r>
-              <a:rPr lang="en-US" sz="2000" b="0" i="0" u="none">
+              <a:rPr lang="en-US" sz="2000" b="0" i="0" u="none" dirty="0">
                 <a:solidFill>
                   <a:srgbClr val="FF0000"/>
                 </a:solidFill>
@@ -45332,7 +45380,7 @@
               <a:t>Show:</a:t>
             </a:r>
             <a:r>
-              <a:rPr lang="en-US" sz="2000" b="1" i="0" u="none">
+              <a:rPr lang="en-US" sz="2000" b="1" i="0" u="none" dirty="0">
                 <a:solidFill>
                   <a:schemeClr val="dk1"/>
                 </a:solidFill>
@@ -45344,7 +45392,7 @@
               <a:t> </a:t>
             </a:r>
             <a:r>
-              <a:rPr lang="en-US" sz="2000" b="0" i="0" u="none">
+              <a:rPr lang="en-US" sz="2000" b="0" i="0" u="none" dirty="0">
                 <a:solidFill>
                   <a:srgbClr val="FF0000"/>
                 </a:solidFill>
@@ -45356,19 +45404,43 @@
               <a:t>P(n) → P(n+1)</a:t>
             </a:r>
             <a:r>
-              <a:rPr lang="en-US" sz="2000" b="0" i="0" u="none">
-                <a:solidFill>
-                  <a:schemeClr val="dk1"/>
-                </a:solidFill>
-                <a:latin typeface="Arial"/>
-                <a:ea typeface="Arial"/>
-                <a:cs typeface="Arial"/>
-                <a:sym typeface="Arial"/>
-              </a:rPr>
-              <a:t>: Assume there is a path of length n from a to b if and only if (a,b) </a:t>
-            </a:r>
-            <a:r>
-              <a:rPr lang="en-US" sz="2000" b="0" i="0" u="none">
+              <a:rPr lang="en-US" sz="2000" b="0" i="0" u="none" dirty="0">
+                <a:solidFill>
+                  <a:schemeClr val="dk1"/>
+                </a:solidFill>
+                <a:latin typeface="Arial"/>
+                <a:ea typeface="Arial"/>
+                <a:cs typeface="Arial"/>
+                <a:sym typeface="Arial"/>
+              </a:rPr>
+              <a:t>: Assume there is a path of length n from a to b if and only if (</a:t>
+            </a:r>
+            <a:r>
+              <a:rPr lang="en-US" sz="2000" b="0" i="0" u="none" dirty="0" err="1">
+                <a:solidFill>
+                  <a:schemeClr val="dk1"/>
+                </a:solidFill>
+                <a:latin typeface="Arial"/>
+                <a:ea typeface="Arial"/>
+                <a:cs typeface="Arial"/>
+                <a:sym typeface="Arial"/>
+              </a:rPr>
+              <a:t>a,b</a:t>
+            </a:r>
+            <a:r>
+              <a:rPr lang="en-US" sz="2000" b="0" i="0" u="none" dirty="0">
+                <a:solidFill>
+                  <a:schemeClr val="dk1"/>
+                </a:solidFill>
+                <a:latin typeface="Arial"/>
+                <a:ea typeface="Arial"/>
+                <a:cs typeface="Arial"/>
+                <a:sym typeface="Arial"/>
+              </a:rPr>
+              <a:t>) </a:t>
+            </a:r>
+            <a:r>
+              <a:rPr lang="en-US" sz="2000" b="0" i="0" u="none" dirty="0">
                 <a:solidFill>
                   <a:srgbClr val="FF0000"/>
                 </a:solidFill>
@@ -45380,7 +45452,7 @@
               <a:t>ϵ </a:t>
             </a:r>
             <a:r>
-              <a:rPr lang="en-US" sz="2000" b="0" i="0" u="none">
+              <a:rPr lang="en-US" sz="2000" b="0" i="0" u="none" dirty="0">
                 <a:solidFill>
                   <a:schemeClr val="dk1"/>
                 </a:solidFill>
@@ -45392,7 +45464,7 @@
               <a:t> R</a:t>
             </a:r>
             <a:r>
-              <a:rPr lang="en-US" sz="2000" b="0" i="0" u="none" baseline="30000">
+              <a:rPr lang="en-US" sz="2000" b="0" i="0" u="none" baseline="30000" dirty="0">
                 <a:solidFill>
                   <a:schemeClr val="dk1"/>
                 </a:solidFill>
@@ -45404,7 +45476,7 @@
               <a:t>n</a:t>
             </a:r>
             <a:r>
-              <a:rPr lang="en-US" sz="2000" b="0" i="0" u="none">
+              <a:rPr lang="en-US" sz="2000" b="0" i="0" u="none" dirty="0">
                 <a:solidFill>
                   <a:schemeClr val="dk1"/>
                 </a:solidFill>
@@ -45416,7 +45488,7 @@
               <a:t> </a:t>
             </a:r>
             <a:r>
-              <a:rPr lang="en-US" sz="2000" b="0" i="0" u="none">
+              <a:rPr lang="en-US" sz="2000" b="0" i="0" u="none" dirty="0">
                 <a:solidFill>
                   <a:srgbClr val="FF0000"/>
                 </a:solidFill>
@@ -45428,19 +45500,43 @@
               <a:t>→ </a:t>
             </a:r>
             <a:r>
-              <a:rPr lang="en-US" sz="2000" b="0" i="0" u="none">
-                <a:solidFill>
-                  <a:schemeClr val="dk1"/>
-                </a:solidFill>
-                <a:latin typeface="Arial"/>
-                <a:ea typeface="Arial"/>
-                <a:cs typeface="Arial"/>
-                <a:sym typeface="Arial"/>
-              </a:rPr>
-              <a:t> there is a path of length n+1 from a to b if and only if (a,b) </a:t>
-            </a:r>
-            <a:r>
-              <a:rPr lang="en-US" sz="2000" b="0" i="0" u="none">
+              <a:rPr lang="en-US" sz="2000" b="0" i="0" u="none" dirty="0">
+                <a:solidFill>
+                  <a:schemeClr val="dk1"/>
+                </a:solidFill>
+                <a:latin typeface="Arial"/>
+                <a:ea typeface="Arial"/>
+                <a:cs typeface="Arial"/>
+                <a:sym typeface="Arial"/>
+              </a:rPr>
+              <a:t> there is a path of length n+1 from a to b if and only if (</a:t>
+            </a:r>
+            <a:r>
+              <a:rPr lang="en-US" sz="2000" b="0" i="0" u="none" dirty="0" err="1">
+                <a:solidFill>
+                  <a:schemeClr val="dk1"/>
+                </a:solidFill>
+                <a:latin typeface="Arial"/>
+                <a:ea typeface="Arial"/>
+                <a:cs typeface="Arial"/>
+                <a:sym typeface="Arial"/>
+              </a:rPr>
+              <a:t>a,b</a:t>
+            </a:r>
+            <a:r>
+              <a:rPr lang="en-US" sz="2000" b="0" i="0" u="none" dirty="0">
+                <a:solidFill>
+                  <a:schemeClr val="dk1"/>
+                </a:solidFill>
+                <a:latin typeface="Arial"/>
+                <a:ea typeface="Arial"/>
+                <a:cs typeface="Arial"/>
+                <a:sym typeface="Arial"/>
+              </a:rPr>
+              <a:t>) </a:t>
+            </a:r>
+            <a:r>
+              <a:rPr lang="en-US" sz="2000" b="0" i="0" u="none" dirty="0">
                 <a:solidFill>
                   <a:srgbClr val="FF0000"/>
                 </a:solidFill>
@@ -45452,7 +45548,7 @@
               <a:t>ϵ </a:t>
             </a:r>
             <a:r>
-              <a:rPr lang="en-US" sz="2000" b="0" i="0" u="none">
+              <a:rPr lang="en-US" sz="2000" b="0" i="0" u="none" dirty="0">
                 <a:solidFill>
                   <a:schemeClr val="dk1"/>
                 </a:solidFill>
@@ -45464,7 +45560,7 @@
               <a:t> R</a:t>
             </a:r>
             <a:r>
-              <a:rPr lang="en-US" sz="2000" b="0" i="0" u="none" baseline="30000">
+              <a:rPr lang="en-US" sz="2000" b="0" i="0" u="none" baseline="30000" dirty="0">
                 <a:solidFill>
                   <a:schemeClr val="dk1"/>
                 </a:solidFill>
@@ -45476,7 +45572,7 @@
               <a:t>n+1</a:t>
             </a:r>
             <a:r>
-              <a:rPr lang="en-US" sz="2000" b="0" i="0" u="none">
+              <a:rPr lang="en-US" sz="2000" b="0" i="0" u="none" dirty="0">
                 <a:solidFill>
                   <a:schemeClr val="dk1"/>
                 </a:solidFill>
@@ -45487,7 +45583,7 @@
               </a:rPr>
               <a:t>.</a:t>
             </a:r>
-            <a:endParaRPr sz="2000" b="0" i="0" u="none">
+            <a:endParaRPr sz="2000" b="0" i="0" u="none" dirty="0">
               <a:solidFill>
                 <a:srgbClr val="FF0000"/>
               </a:solidFill>
@@ -45516,7 +45612,7 @@
               <a:buNone/>
             </a:pPr>
             <a:r>
-              <a:rPr lang="en-US" sz="2000" b="0" i="0" u="none">
+              <a:rPr lang="en-US" sz="2000" b="0" i="0" u="none" dirty="0">
                 <a:solidFill>
                   <a:schemeClr val="dk1"/>
                 </a:solidFill>
@@ -45527,7 +45623,7 @@
               </a:rPr>
               <a:t>There is a path of length n+1 from a to b if and only if there</a:t>
             </a:r>
-            <a:endParaRPr/>
+            <a:endParaRPr dirty="0"/>
           </a:p>
           <a:p>
             <a:pPr marL="0" marR="0" lvl="0" indent="0" algn="l" rtl="0">
@@ -45548,7 +45644,7 @@
               <a:buNone/>
             </a:pPr>
             <a:r>
-              <a:rPr lang="en-US" sz="2000" b="0" i="0" u="none">
+              <a:rPr lang="en-US" sz="2000" b="0" i="0" u="none" dirty="0">
                 <a:solidFill>
                   <a:schemeClr val="dk1"/>
                 </a:solidFill>
@@ -45560,7 +45656,7 @@
               <a:t>exists an x </a:t>
             </a:r>
             <a:r>
-              <a:rPr lang="en-US" sz="2000" b="0" i="0" u="none">
+              <a:rPr lang="en-US" sz="2000" b="0" i="0" u="none" dirty="0">
                 <a:solidFill>
                   <a:srgbClr val="FF0000"/>
                 </a:solidFill>
@@ -45572,19 +45668,43 @@
               <a:t>ϵ </a:t>
             </a:r>
             <a:r>
-              <a:rPr lang="en-US" sz="2000" b="0" i="0" u="none">
-                <a:solidFill>
-                  <a:schemeClr val="dk1"/>
-                </a:solidFill>
-                <a:latin typeface="Arial"/>
-                <a:ea typeface="Arial"/>
-                <a:cs typeface="Arial"/>
-                <a:sym typeface="Arial"/>
-              </a:rPr>
-              <a:t> A, such that (a,x) </a:t>
-            </a:r>
-            <a:r>
-              <a:rPr lang="en-US" sz="2000" b="0" i="0" u="none">
+              <a:rPr lang="en-US" sz="2000" b="0" i="0" u="none" dirty="0">
+                <a:solidFill>
+                  <a:schemeClr val="dk1"/>
+                </a:solidFill>
+                <a:latin typeface="Arial"/>
+                <a:ea typeface="Arial"/>
+                <a:cs typeface="Arial"/>
+                <a:sym typeface="Arial"/>
+              </a:rPr>
+              <a:t> A, such that (</a:t>
+            </a:r>
+            <a:r>
+              <a:rPr lang="en-US" sz="2000" b="0" i="0" u="none" dirty="0" err="1">
+                <a:solidFill>
+                  <a:schemeClr val="dk1"/>
+                </a:solidFill>
+                <a:latin typeface="Arial"/>
+                <a:ea typeface="Arial"/>
+                <a:cs typeface="Arial"/>
+                <a:sym typeface="Arial"/>
+              </a:rPr>
+              <a:t>a,x</a:t>
+            </a:r>
+            <a:r>
+              <a:rPr lang="en-US" sz="2000" b="0" i="0" u="none" dirty="0">
+                <a:solidFill>
+                  <a:schemeClr val="dk1"/>
+                </a:solidFill>
+                <a:latin typeface="Arial"/>
+                <a:ea typeface="Arial"/>
+                <a:cs typeface="Arial"/>
+                <a:sym typeface="Arial"/>
+              </a:rPr>
+              <a:t>) </a:t>
+            </a:r>
+            <a:r>
+              <a:rPr lang="en-US" sz="2000" b="0" i="0" u="none" dirty="0">
                 <a:solidFill>
                   <a:srgbClr val="FF0000"/>
                 </a:solidFill>
@@ -45596,19 +45716,43 @@
               <a:t>ϵ </a:t>
             </a:r>
             <a:r>
-              <a:rPr lang="en-US" sz="2000" b="0" i="0" u="none">
-                <a:solidFill>
-                  <a:schemeClr val="dk1"/>
-                </a:solidFill>
-                <a:latin typeface="Arial"/>
-                <a:ea typeface="Arial"/>
-                <a:cs typeface="Arial"/>
-                <a:sym typeface="Arial"/>
-              </a:rPr>
-              <a:t> R (a path of length 1) and (x,b) </a:t>
-            </a:r>
-            <a:r>
-              <a:rPr lang="en-US" sz="2000" b="0" i="0" u="none">
+              <a:rPr lang="en-US" sz="2000" b="0" i="0" u="none" dirty="0">
+                <a:solidFill>
+                  <a:schemeClr val="dk1"/>
+                </a:solidFill>
+                <a:latin typeface="Arial"/>
+                <a:ea typeface="Arial"/>
+                <a:cs typeface="Arial"/>
+                <a:sym typeface="Arial"/>
+              </a:rPr>
+              <a:t> R (a path of length 1) and (</a:t>
+            </a:r>
+            <a:r>
+              <a:rPr lang="en-US" sz="2000" b="0" i="0" u="none" dirty="0" err="1">
+                <a:solidFill>
+                  <a:schemeClr val="dk1"/>
+                </a:solidFill>
+                <a:latin typeface="Arial"/>
+                <a:ea typeface="Arial"/>
+                <a:cs typeface="Arial"/>
+                <a:sym typeface="Arial"/>
+              </a:rPr>
+              <a:t>x,b</a:t>
+            </a:r>
+            <a:r>
+              <a:rPr lang="en-US" sz="2000" b="0" i="0" u="none" dirty="0">
+                <a:solidFill>
+                  <a:schemeClr val="dk1"/>
+                </a:solidFill>
+                <a:latin typeface="Arial"/>
+                <a:ea typeface="Arial"/>
+                <a:cs typeface="Arial"/>
+                <a:sym typeface="Arial"/>
+              </a:rPr>
+              <a:t>) </a:t>
+            </a:r>
+            <a:r>
+              <a:rPr lang="en-US" sz="2000" b="0" i="0" u="none" dirty="0">
                 <a:solidFill>
                   <a:srgbClr val="FF0000"/>
                 </a:solidFill>
@@ -45620,7 +45764,7 @@
               <a:t>ϵ </a:t>
             </a:r>
             <a:r>
-              <a:rPr lang="en-US" sz="2000" b="0" i="0" u="none">
+              <a:rPr lang="en-US" sz="2000" b="0" i="0" u="none" dirty="0">
                 <a:solidFill>
                   <a:schemeClr val="dk1"/>
                 </a:solidFill>
@@ -45632,7 +45776,7 @@
               <a:t>R</a:t>
             </a:r>
             <a:r>
-              <a:rPr lang="en-US" sz="2000" b="0" i="0" u="none" baseline="30000">
+              <a:rPr lang="en-US" sz="2000" b="0" i="0" u="none" baseline="30000" dirty="0">
                 <a:solidFill>
                   <a:schemeClr val="dk1"/>
                 </a:solidFill>
@@ -45644,7 +45788,7 @@
               <a:t>n</a:t>
             </a:r>
             <a:r>
-              <a:rPr lang="en-US" sz="2000" b="0" i="0" u="none">
+              <a:rPr lang="en-US" sz="2000" b="0" i="0" u="none" dirty="0">
                 <a:solidFill>
                   <a:schemeClr val="dk1"/>
                 </a:solidFill>
@@ -45655,7 +45799,7 @@
               </a:rPr>
               <a:t> is a path of length n from x to b.</a:t>
             </a:r>
-            <a:endParaRPr/>
+            <a:endParaRPr dirty="0"/>
           </a:p>
           <a:p>
             <a:pPr marL="0" marR="0" lvl="0" indent="0" algn="l" rtl="0">
@@ -45675,7 +45819,7 @@
               <a:buFont typeface="Arial"/>
               <a:buNone/>
             </a:pPr>
-            <a:endParaRPr sz="2000" b="0" i="0" u="none">
+            <a:endParaRPr sz="2000" b="0" i="0" u="none" dirty="0">
               <a:solidFill>
                 <a:schemeClr val="dk1"/>
               </a:solidFill>
@@ -45703,7 +45847,7 @@
               <a:buFont typeface="Arial"/>
               <a:buNone/>
             </a:pPr>
-            <a:endParaRPr sz="2000" b="0" i="0" u="none">
+            <a:endParaRPr sz="2000" b="0" i="0" u="none" dirty="0">
               <a:solidFill>
                 <a:schemeClr val="dk1"/>
               </a:solidFill>
@@ -45731,7 +45875,7 @@
               <a:buFont typeface="Arial"/>
               <a:buNone/>
             </a:pPr>
-            <a:endParaRPr sz="2000" b="0" i="0" u="none">
+            <a:endParaRPr sz="2000" b="0" i="0" u="none" dirty="0">
               <a:solidFill>
                 <a:schemeClr val="dk1"/>
               </a:solidFill>
@@ -45760,19 +45904,43 @@
               <a:buNone/>
             </a:pPr>
             <a:r>
-              <a:rPr lang="en-US" sz="2000" b="0" i="0" u="none">
-                <a:solidFill>
-                  <a:schemeClr val="dk1"/>
-                </a:solidFill>
-                <a:latin typeface="Arial"/>
-                <a:ea typeface="Arial"/>
-                <a:cs typeface="Arial"/>
-                <a:sym typeface="Arial"/>
-              </a:rPr>
-              <a:t>(x,b) </a:t>
-            </a:r>
-            <a:r>
-              <a:rPr lang="en-US" sz="2000" b="0" i="0" u="none">
+              <a:rPr lang="en-US" sz="2000" b="0" i="0" u="none" dirty="0">
+                <a:solidFill>
+                  <a:schemeClr val="dk1"/>
+                </a:solidFill>
+                <a:latin typeface="Arial"/>
+                <a:ea typeface="Arial"/>
+                <a:cs typeface="Arial"/>
+                <a:sym typeface="Arial"/>
+              </a:rPr>
+              <a:t>(</a:t>
+            </a:r>
+            <a:r>
+              <a:rPr lang="en-US" sz="2000" b="0" i="0" u="none" dirty="0" err="1">
+                <a:solidFill>
+                  <a:schemeClr val="dk1"/>
+                </a:solidFill>
+                <a:latin typeface="Arial"/>
+                <a:ea typeface="Arial"/>
+                <a:cs typeface="Arial"/>
+                <a:sym typeface="Arial"/>
+              </a:rPr>
+              <a:t>x,b</a:t>
+            </a:r>
+            <a:r>
+              <a:rPr lang="en-US" sz="2000" b="0" i="0" u="none" dirty="0">
+                <a:solidFill>
+                  <a:schemeClr val="dk1"/>
+                </a:solidFill>
+                <a:latin typeface="Arial"/>
+                <a:ea typeface="Arial"/>
+                <a:cs typeface="Arial"/>
+                <a:sym typeface="Arial"/>
+              </a:rPr>
+              <a:t>) </a:t>
+            </a:r>
+            <a:r>
+              <a:rPr lang="en-US" sz="2000" b="0" i="0" u="none" dirty="0">
                 <a:solidFill>
                   <a:srgbClr val="FF0000"/>
                 </a:solidFill>
@@ -45784,7 +45952,7 @@
               <a:t>ϵ </a:t>
             </a:r>
             <a:r>
-              <a:rPr lang="en-US" sz="2000" b="0" i="0" u="none">
+              <a:rPr lang="en-US" sz="2000" b="0" i="0" u="none" dirty="0">
                 <a:solidFill>
                   <a:schemeClr val="dk1"/>
                 </a:solidFill>
@@ -45796,7 +45964,7 @@
               <a:t> R</a:t>
             </a:r>
             <a:r>
-              <a:rPr lang="en-US" sz="2000" b="0" i="0" u="none" baseline="30000">
+              <a:rPr lang="en-US" sz="2000" b="0" i="0" u="none" baseline="30000" dirty="0">
                 <a:solidFill>
                   <a:schemeClr val="dk1"/>
                 </a:solidFill>
@@ -45808,7 +45976,7 @@
               <a:t>n</a:t>
             </a:r>
             <a:r>
-              <a:rPr lang="en-US" sz="2000" b="0" i="0" u="none">
+              <a:rPr lang="en-US" sz="2000" b="0" i="0" u="none" dirty="0">
                 <a:solidFill>
                   <a:schemeClr val="dk1"/>
                 </a:solidFill>
@@ -45819,7 +45987,7 @@
               </a:rPr>
               <a:t> holds due to P(n). Therefore, there is a path of length</a:t>
             </a:r>
-            <a:endParaRPr/>
+            <a:endParaRPr dirty="0"/>
           </a:p>
           <a:p>
             <a:pPr marL="0" marR="0" lvl="0" indent="0" algn="l" rtl="0">
@@ -45840,19 +46008,43 @@
               <a:buNone/>
             </a:pPr>
             <a:r>
-              <a:rPr lang="en-US" sz="2000" b="0" i="0" u="none">
-                <a:solidFill>
-                  <a:schemeClr val="dk1"/>
-                </a:solidFill>
-                <a:latin typeface="Arial"/>
-                <a:ea typeface="Arial"/>
-                <a:cs typeface="Arial"/>
-                <a:sym typeface="Arial"/>
-              </a:rPr>
-              <a:t>n + 1 from a to b. This also implies that (a,b) </a:t>
-            </a:r>
-            <a:r>
-              <a:rPr lang="en-US" sz="2000" b="0" i="0" u="none">
+              <a:rPr lang="en-US" sz="2000" b="0" i="0" u="none" dirty="0">
+                <a:solidFill>
+                  <a:schemeClr val="dk1"/>
+                </a:solidFill>
+                <a:latin typeface="Arial"/>
+                <a:ea typeface="Arial"/>
+                <a:cs typeface="Arial"/>
+                <a:sym typeface="Arial"/>
+              </a:rPr>
+              <a:t>n + 1 from a to b. This also implies that (</a:t>
+            </a:r>
+            <a:r>
+              <a:rPr lang="en-US" sz="2000" b="0" i="0" u="none" dirty="0" err="1">
+                <a:solidFill>
+                  <a:schemeClr val="dk1"/>
+                </a:solidFill>
+                <a:latin typeface="Arial"/>
+                <a:ea typeface="Arial"/>
+                <a:cs typeface="Arial"/>
+                <a:sym typeface="Arial"/>
+              </a:rPr>
+              <a:t>a,b</a:t>
+            </a:r>
+            <a:r>
+              <a:rPr lang="en-US" sz="2000" b="0" i="0" u="none" dirty="0">
+                <a:solidFill>
+                  <a:schemeClr val="dk1"/>
+                </a:solidFill>
+                <a:latin typeface="Arial"/>
+                <a:ea typeface="Arial"/>
+                <a:cs typeface="Arial"/>
+                <a:sym typeface="Arial"/>
+              </a:rPr>
+              <a:t>) </a:t>
+            </a:r>
+            <a:r>
+              <a:rPr lang="en-US" sz="2000" b="0" i="0" u="none" dirty="0">
                 <a:solidFill>
                   <a:srgbClr val="FF0000"/>
                 </a:solidFill>
@@ -45864,7 +46056,7 @@
               <a:t>ϵ </a:t>
             </a:r>
             <a:r>
-              <a:rPr lang="en-US" sz="2000" b="0" i="0" u="none">
+              <a:rPr lang="en-US" sz="2000" b="0" i="0" u="none" dirty="0">
                 <a:solidFill>
                   <a:schemeClr val="dk1"/>
                 </a:solidFill>
@@ -45876,7 +46068,7 @@
               <a:t> R</a:t>
             </a:r>
             <a:r>
-              <a:rPr lang="en-US" sz="2000" b="0" i="0" u="none" baseline="30000">
+              <a:rPr lang="en-US" sz="2000" b="0" i="0" u="none" baseline="30000" dirty="0">
                 <a:solidFill>
                   <a:schemeClr val="dk1"/>
                 </a:solidFill>
@@ -45888,7 +46080,7 @@
               <a:t>n+1</a:t>
             </a:r>
             <a:r>
-              <a:rPr lang="en-US" sz="2000" b="0" i="0" u="none">
+              <a:rPr lang="en-US" sz="2000" b="0" i="0" u="none" dirty="0">
                 <a:solidFill>
                   <a:schemeClr val="dk1"/>
                 </a:solidFill>
@@ -45899,7 +46091,7 @@
               </a:rPr>
               <a:t>.</a:t>
             </a:r>
-            <a:endParaRPr/>
+            <a:endParaRPr dirty="0"/>
           </a:p>
         </p:txBody>
       </p:sp>
@@ -49735,7 +49927,7 @@
               <a:buNone/>
             </a:pPr>
             <a:r>
-              <a:rPr lang="en-US" sz="2000" b="0" i="0" u="none">
+              <a:rPr lang="en-US" sz="2000" b="0" i="0" u="none" dirty="0">
                 <a:solidFill>
                   <a:srgbClr val="FF0000"/>
                 </a:solidFill>
@@ -49747,7 +49939,7 @@
               <a:t>Definition</a:t>
             </a:r>
             <a:r>
-              <a:rPr lang="en-US" sz="2000" b="0" i="0" u="none">
+              <a:rPr lang="en-US" sz="2000" b="0" i="0" u="none" dirty="0">
                 <a:solidFill>
                   <a:schemeClr val="dk1"/>
                 </a:solidFill>
@@ -49758,7 +49950,7 @@
               </a:rPr>
               <a:t>: Let R be a relation on a set A. The connectivity</a:t>
             </a:r>
-            <a:endParaRPr/>
+            <a:endParaRPr dirty="0"/>
           </a:p>
           <a:p>
             <a:pPr marL="0" marR="0" lvl="0" indent="0" algn="l" rtl="0">
@@ -49779,7 +49971,7 @@
               <a:buNone/>
             </a:pPr>
             <a:r>
-              <a:rPr lang="en-US" sz="2000" b="0" i="0" u="none">
+              <a:rPr lang="en-US" sz="2000" b="0" i="0" u="none" dirty="0">
                 <a:solidFill>
                   <a:schemeClr val="dk1"/>
                 </a:solidFill>
@@ -49791,7 +49983,7 @@
               <a:t>relation </a:t>
             </a:r>
             <a:r>
-              <a:rPr lang="en-US" sz="2000" b="0" i="0" u="none">
+              <a:rPr lang="en-US" sz="2000" b="0" i="0" u="none" dirty="0">
                 <a:solidFill>
                   <a:srgbClr val="FF0000"/>
                 </a:solidFill>
@@ -49803,7 +49995,7 @@
               <a:t>R* consists of </a:t>
             </a:r>
             <a:r>
-              <a:rPr lang="en-US" sz="2000" b="0" i="0" u="none">
+              <a:rPr lang="en-US" sz="2000" b="0" i="0" u="none" dirty="0">
                 <a:solidFill>
                   <a:srgbClr val="00B050"/>
                 </a:solidFill>
@@ -49815,7 +50007,7 @@
               <a:t>all pairs </a:t>
             </a:r>
             <a:r>
-              <a:rPr lang="en-US" sz="2000" b="0" i="0" u="none">
+              <a:rPr lang="en-US" sz="2000" b="0" i="0" u="none" dirty="0">
                 <a:solidFill>
                   <a:srgbClr val="FF0000"/>
                 </a:solidFill>
@@ -49824,10 +50016,34 @@
                 <a:cs typeface="Arial"/>
                 <a:sym typeface="Arial"/>
               </a:rPr>
-              <a:t>(a,b) </a:t>
-            </a:r>
-            <a:r>
-              <a:rPr lang="en-US" sz="2000" b="0" i="0" u="none">
+              <a:t>(</a:t>
+            </a:r>
+            <a:r>
+              <a:rPr lang="en-US" sz="2000" b="0" i="0" u="none" dirty="0" err="1">
+                <a:solidFill>
+                  <a:srgbClr val="FF0000"/>
+                </a:solidFill>
+                <a:latin typeface="Arial"/>
+                <a:ea typeface="Arial"/>
+                <a:cs typeface="Arial"/>
+                <a:sym typeface="Arial"/>
+              </a:rPr>
+              <a:t>a,b</a:t>
+            </a:r>
+            <a:r>
+              <a:rPr lang="en-US" sz="2000" b="0" i="0" u="none" dirty="0">
+                <a:solidFill>
+                  <a:srgbClr val="FF0000"/>
+                </a:solidFill>
+                <a:latin typeface="Arial"/>
+                <a:ea typeface="Arial"/>
+                <a:cs typeface="Arial"/>
+                <a:sym typeface="Arial"/>
+              </a:rPr>
+              <a:t>) </a:t>
+            </a:r>
+            <a:r>
+              <a:rPr lang="en-US" sz="2000" b="0" i="0" u="none" dirty="0">
                 <a:solidFill>
                   <a:schemeClr val="dk1"/>
                 </a:solidFill>
@@ -49839,7 +50055,7 @@
               <a:t>such that </a:t>
             </a:r>
             <a:r>
-              <a:rPr lang="en-US" sz="2000" b="0" i="0" u="none">
+              <a:rPr lang="en-US" sz="2000" b="0" i="0" u="none" dirty="0">
                 <a:solidFill>
                   <a:srgbClr val="FF0000"/>
                 </a:solidFill>
@@ -49851,7 +50067,7 @@
               <a:t>there is a path </a:t>
             </a:r>
             <a:r>
-              <a:rPr lang="en-US" sz="2000" b="0" i="0" u="none">
+              <a:rPr lang="en-US" sz="2000" b="0" i="0" u="none" dirty="0">
                 <a:solidFill>
                   <a:schemeClr val="dk1"/>
                 </a:solidFill>
@@ -49862,7 +50078,7 @@
               </a:rPr>
               <a:t>(of</a:t>
             </a:r>
-            <a:endParaRPr/>
+            <a:endParaRPr dirty="0"/>
           </a:p>
           <a:p>
             <a:pPr marL="0" marR="0" lvl="0" indent="0" algn="l" rtl="0">
@@ -49883,18 +50099,42 @@
               <a:buNone/>
             </a:pPr>
             <a:r>
-              <a:rPr lang="en-US" sz="2000" b="0" i="0" u="none">
-                <a:solidFill>
-                  <a:schemeClr val="dk1"/>
-                </a:solidFill>
-                <a:latin typeface="Arial"/>
-                <a:ea typeface="Arial"/>
-                <a:cs typeface="Arial"/>
-                <a:sym typeface="Arial"/>
-              </a:rPr>
-              <a:t>any length, ie. 1 or 2 or 3 or ...) between a and b in R.</a:t>
-            </a:r>
-            <a:endParaRPr/>
+              <a:rPr lang="en-US" sz="2000" b="0" i="0" u="none" dirty="0">
+                <a:solidFill>
+                  <a:schemeClr val="dk1"/>
+                </a:solidFill>
+                <a:latin typeface="Arial"/>
+                <a:ea typeface="Arial"/>
+                <a:cs typeface="Arial"/>
+                <a:sym typeface="Arial"/>
+              </a:rPr>
+              <a:t>any length, </a:t>
+            </a:r>
+            <a:r>
+              <a:rPr lang="en-US" sz="2000" b="0" i="0" u="none" dirty="0" err="1">
+                <a:solidFill>
+                  <a:schemeClr val="dk1"/>
+                </a:solidFill>
+                <a:latin typeface="Arial"/>
+                <a:ea typeface="Arial"/>
+                <a:cs typeface="Arial"/>
+                <a:sym typeface="Arial"/>
+              </a:rPr>
+              <a:t>ie</a:t>
+            </a:r>
+            <a:r>
+              <a:rPr lang="en-US" sz="2000" b="0" i="0" u="none" dirty="0">
+                <a:solidFill>
+                  <a:schemeClr val="dk1"/>
+                </a:solidFill>
+                <a:latin typeface="Arial"/>
+                <a:ea typeface="Arial"/>
+                <a:cs typeface="Arial"/>
+                <a:sym typeface="Arial"/>
+              </a:rPr>
+              <a:t>. 1 or 2 or 3 or ...) between a and b in R.</a:t>
+            </a:r>
+            <a:endParaRPr dirty="0"/>
           </a:p>
           <a:p>
             <a:pPr marL="0" marR="0" lvl="0" indent="0" algn="l" rtl="0">
@@ -49914,7 +50154,7 @@
               <a:buFont typeface="Arial"/>
               <a:buNone/>
             </a:pPr>
-            <a:endParaRPr sz="2000" b="0" i="0" u="none">
+            <a:endParaRPr sz="2000" b="0" i="0" u="none" dirty="0">
               <a:solidFill>
                 <a:schemeClr val="dk1"/>
               </a:solidFill>
@@ -49942,7 +50182,7 @@
               <a:buFont typeface="Arial"/>
               <a:buNone/>
             </a:pPr>
-            <a:endParaRPr sz="2000" b="0" i="0" u="none">
+            <a:endParaRPr sz="2000" b="0" i="0" u="none" dirty="0">
               <a:solidFill>
                 <a:schemeClr val="dk1"/>
               </a:solidFill>
@@ -49970,7 +50210,7 @@
               <a:buFont typeface="Arial"/>
               <a:buNone/>
             </a:pPr>
-            <a:endParaRPr sz="2000" b="0" i="0" u="none">
+            <a:endParaRPr sz="2000" b="0" i="0" u="none" dirty="0">
               <a:solidFill>
                 <a:schemeClr val="dk1"/>
               </a:solidFill>
@@ -49998,7 +50238,7 @@
               <a:buFont typeface="Arial"/>
               <a:buNone/>
             </a:pPr>
-            <a:endParaRPr sz="2000" b="0" i="0" u="none">
+            <a:endParaRPr sz="2000" b="0" i="0" u="none" dirty="0">
               <a:solidFill>
                 <a:schemeClr val="dk1"/>
               </a:solidFill>
@@ -50026,7 +50266,7 @@
               <a:buFont typeface="Arial"/>
               <a:buNone/>
             </a:pPr>
-            <a:endParaRPr sz="2000" b="0" i="0" u="none">
+            <a:endParaRPr sz="2000" b="0" i="0" u="none" dirty="0">
               <a:solidFill>
                 <a:schemeClr val="dk1"/>
               </a:solidFill>
@@ -50055,7 +50295,7 @@
               <a:buNone/>
             </a:pPr>
             <a:r>
-              <a:rPr lang="en-US" sz="2000" b="1" i="0" u="none">
+              <a:rPr lang="en-US" sz="2000" b="1" i="0" u="none" dirty="0">
                 <a:solidFill>
                   <a:schemeClr val="dk1"/>
                 </a:solidFill>
@@ -50066,7 +50306,7 @@
               </a:rPr>
               <a:t>Example:</a:t>
             </a:r>
-            <a:endParaRPr/>
+            <a:endParaRPr dirty="0"/>
           </a:p>
           <a:p>
             <a:pPr marL="0" marR="0" lvl="0" indent="0" algn="l" rtl="0">
@@ -50087,7 +50327,7 @@
               <a:buNone/>
             </a:pPr>
             <a:r>
-              <a:rPr lang="en-US" sz="2000" b="0" i="0" u="none">
+              <a:rPr lang="en-US" sz="2000" b="0" i="0" u="none" dirty="0">
                 <a:solidFill>
                   <a:schemeClr val="dk1"/>
                 </a:solidFill>
@@ -50098,7 +50338,7 @@
               </a:rPr>
               <a:t>• A = {1,2,3,4}</a:t>
             </a:r>
-            <a:endParaRPr/>
+            <a:endParaRPr dirty="0"/>
           </a:p>
           <a:p>
             <a:pPr marL="0" marR="0" lvl="0" indent="0" algn="l" rtl="0">
@@ -50119,7 +50359,7 @@
               <a:buNone/>
             </a:pPr>
             <a:r>
-              <a:rPr lang="en-US" sz="2000" b="0" i="0" u="none">
+              <a:rPr lang="en-US" sz="2000" b="0" i="0" u="none" dirty="0">
                 <a:solidFill>
                   <a:schemeClr val="dk1"/>
                 </a:solidFill>
@@ -50130,7 +50370,7 @@
               </a:rPr>
               <a:t>• R = {(1,2),(1,4),(2,3),(3,4)}</a:t>
             </a:r>
-            <a:endParaRPr/>
+            <a:endParaRPr dirty="0"/>
           </a:p>
           <a:p>
             <a:pPr marL="0" marR="0" lvl="0" indent="0" algn="l" rtl="0">
@@ -50150,7 +50390,7 @@
               <a:buFont typeface="Arial"/>
               <a:buNone/>
             </a:pPr>
-            <a:endParaRPr sz="2000" b="0" i="0" u="none">
+            <a:endParaRPr sz="2000" b="0" i="0" u="none" dirty="0">
               <a:solidFill>
                 <a:schemeClr val="dk1"/>
               </a:solidFill>
@@ -50179,7 +50419,7 @@
               <a:buChar char="•"/>
             </a:pPr>
             <a:r>
-              <a:rPr lang="en-US" sz="2000" b="0" i="0" u="none">
+              <a:rPr lang="en-US" sz="2000" b="0" i="0" u="none" dirty="0">
                 <a:solidFill>
                   <a:schemeClr val="dk1"/>
                 </a:solidFill>
@@ -50191,7 +50431,7 @@
               <a:t> R</a:t>
             </a:r>
             <a:r>
-              <a:rPr lang="en-US" sz="2000" b="0" i="0" u="none" baseline="30000">
+              <a:rPr lang="en-US" sz="2000" b="0" i="0" u="none" baseline="30000" dirty="0">
                 <a:solidFill>
                   <a:schemeClr val="dk1"/>
                 </a:solidFill>
@@ -50203,7 +50443,7 @@
               <a:t>2 </a:t>
             </a:r>
             <a:r>
-              <a:rPr lang="en-US" sz="2000" b="0" i="0" u="none">
+              <a:rPr lang="en-US" sz="2000" b="0" i="0" u="none" dirty="0">
                 <a:solidFill>
                   <a:schemeClr val="dk1"/>
                 </a:solidFill>
@@ -50214,7 +50454,7 @@
               </a:rPr>
               <a:t> = {(1,3),(2,4)}</a:t>
             </a:r>
-            <a:endParaRPr/>
+            <a:endParaRPr dirty="0"/>
           </a:p>
           <a:p>
             <a:pPr marL="0" marR="0" lvl="0" indent="0" algn="l" rtl="0">
@@ -50235,7 +50475,7 @@
               <a:buNone/>
             </a:pPr>
             <a:r>
-              <a:rPr lang="en-US" sz="2000" b="0" i="0" u="none">
+              <a:rPr lang="en-US" sz="2000" b="0" i="0" u="none" dirty="0">
                 <a:solidFill>
                   <a:schemeClr val="dk1"/>
                 </a:solidFill>
@@ -50247,7 +50487,7 @@
               <a:t>• </a:t>
             </a:r>
             <a:r>
-              <a:rPr lang="en-US" sz="2000" b="0" i="0" u="none">
+              <a:rPr lang="en-US" sz="2000" b="0" i="0" u="none" dirty="0">
                 <a:solidFill>
                   <a:srgbClr val="FF0000"/>
                 </a:solidFill>
@@ -50259,7 +50499,7 @@
               <a:t>R</a:t>
             </a:r>
             <a:r>
-              <a:rPr lang="en-US" sz="2000" b="0" i="0" u="none" baseline="30000">
+              <a:rPr lang="en-US" sz="2000" b="0" i="0" u="none" baseline="30000" dirty="0">
                 <a:solidFill>
                   <a:srgbClr val="FF0000"/>
                 </a:solidFill>
@@ -50271,7 +50511,7 @@
               <a:t>3</a:t>
             </a:r>
             <a:r>
-              <a:rPr lang="en-US" sz="2000" b="0" i="0" u="none">
+              <a:rPr lang="en-US" sz="2000" b="0" i="0" u="none" dirty="0">
                 <a:solidFill>
                   <a:srgbClr val="FF0000"/>
                 </a:solidFill>
@@ -50283,7 +50523,7 @@
               <a:t>  = </a:t>
             </a:r>
             <a:r>
-              <a:rPr lang="en-US" sz="2000" b="0" i="0" u="none">
+              <a:rPr lang="en-US" sz="2000" b="0" i="0" u="none" dirty="0">
                 <a:solidFill>
                   <a:schemeClr val="dk1"/>
                 </a:solidFill>
@@ -50294,7 +50534,7 @@
               </a:rPr>
               <a:t>{(1,4)}</a:t>
             </a:r>
-            <a:endParaRPr/>
+            <a:endParaRPr dirty="0"/>
           </a:p>
           <a:p>
             <a:pPr marL="0" marR="0" lvl="0" indent="-127000" algn="l" rtl="0">
@@ -50315,7 +50555,7 @@
               <a:buChar char="•"/>
             </a:pPr>
             <a:r>
-              <a:rPr lang="en-US" sz="2000" b="0" i="0" u="none">
+              <a:rPr lang="en-US" sz="2000" b="0" i="0" u="none" dirty="0">
                 <a:solidFill>
                   <a:srgbClr val="FF0000"/>
                 </a:solidFill>
@@ -50327,7 +50567,7 @@
               <a:t>R</a:t>
             </a:r>
             <a:r>
-              <a:rPr lang="en-US" sz="2000" b="0" i="0" u="none" baseline="30000">
+              <a:rPr lang="en-US" sz="2000" b="0" i="0" u="none" baseline="30000" dirty="0">
                 <a:solidFill>
                   <a:srgbClr val="FF0000"/>
                 </a:solidFill>
@@ -50339,7 +50579,7 @@
               <a:t>4</a:t>
             </a:r>
             <a:r>
-              <a:rPr lang="en-US" sz="2000" b="0" i="0" u="none">
+              <a:rPr lang="en-US" sz="2000" b="0" i="0" u="none" dirty="0">
                 <a:solidFill>
                   <a:srgbClr val="FF0000"/>
                 </a:solidFill>
@@ -50351,7 +50591,7 @@
               <a:t>   = </a:t>
             </a:r>
             <a:r>
-              <a:rPr lang="en-US" sz="2000" b="0" i="0" u="none">
+              <a:rPr lang="en-US" sz="2000" b="0" i="0" u="none" dirty="0">
                 <a:solidFill>
                   <a:schemeClr val="dk1"/>
                 </a:solidFill>
@@ -50362,7 +50602,7 @@
               </a:rPr>
               <a:t>Ø</a:t>
             </a:r>
-            <a:endParaRPr/>
+            <a:endParaRPr dirty="0"/>
           </a:p>
           <a:p>
             <a:pPr marL="0" marR="0" lvl="0" indent="-127000" algn="l" rtl="0">
@@ -50383,7 +50623,7 @@
               <a:buChar char="•"/>
             </a:pPr>
             <a:r>
-              <a:rPr lang="en-US" sz="2000" b="0" i="0" u="none">
+              <a:rPr lang="en-US" sz="2000" b="0" i="0" u="none" dirty="0">
                 <a:solidFill>
                   <a:schemeClr val="dk1"/>
                 </a:solidFill>
@@ -50395,7 +50635,7 @@
               <a:t> </a:t>
             </a:r>
             <a:r>
-              <a:rPr lang="en-US" sz="2000" b="0" i="0" u="none">
+              <a:rPr lang="en-US" sz="2000" b="0" i="0" u="none" dirty="0">
                 <a:solidFill>
                   <a:srgbClr val="FF0000"/>
                 </a:solidFill>
@@ -50407,7 +50647,7 @@
               <a:t>R</a:t>
             </a:r>
             <a:r>
-              <a:rPr lang="en-US" sz="2000" b="0" i="0" u="none" baseline="30000">
+              <a:rPr lang="en-US" sz="2000" b="0" i="0" u="none" baseline="30000" dirty="0">
                 <a:solidFill>
                   <a:srgbClr val="FF0000"/>
                 </a:solidFill>
@@ -50419,7 +50659,7 @@
               <a:t>*   </a:t>
             </a:r>
             <a:r>
-              <a:rPr lang="en-US" sz="2000" b="0" i="0" u="none">
+              <a:rPr lang="en-US" sz="2000" b="0" i="0" u="none" dirty="0">
                 <a:solidFill>
                   <a:srgbClr val="FF0000"/>
                 </a:solidFill>
@@ -50431,7 +50671,7 @@
               <a:t> = </a:t>
             </a:r>
             <a:r>
-              <a:rPr lang="en-US" sz="2000" b="0" i="0" u="none">
+              <a:rPr lang="en-US" sz="2000" b="0" i="0" u="none" dirty="0">
                 <a:solidFill>
                   <a:schemeClr val="dk1"/>
                 </a:solidFill>
@@ -50442,7 +50682,7 @@
               </a:rPr>
               <a:t>{(1,2),(1,3),(1,4),(2,3),(2,4),(3,4)}</a:t>
             </a:r>
-            <a:endParaRPr/>
+            <a:endParaRPr dirty="0"/>
           </a:p>
         </p:txBody>
       </p:sp>
